--- a/Workflow Figure - Weight Perception BP3 1b.pptx
+++ b/Workflow Figure - Weight Perception BP3 1b.pptx
@@ -5672,7 +5672,7 @@
                 <a:latin typeface="Arial" panose="020B0604020202020204" pitchFamily="34" charset="0"/>
                 <a:cs typeface="Arial" panose="020B0604020202020204" pitchFamily="34" charset="0"/>
               </a:rPr>
-              <a:t>Robustness Analysis  </a:t>
+              <a:t>Adjustment for Sunscreen</a:t>
             </a:r>
           </a:p>
         </p:txBody>
@@ -7110,7 +7110,7 @@
               <a:rPr lang="en-US" altLang="en-US" sz="1900" b="1" kern="0" dirty="0">
                 <a:cs typeface="Arial" panose="020B0604020202020204" pitchFamily="34" charset="0"/>
               </a:rPr>
-              <a:t>Evaluate how racial differences in BP3 change when accounting for different confounders</a:t>
+              <a:t>Evaluate how racial differences in BP3 change when accounting for sunscreen usage</a:t>
             </a:r>
           </a:p>
         </p:txBody>
@@ -10078,7 +10078,7 @@
         <p:spPr>
           <a:xfrm>
             <a:off x="6041425" y="18979292"/>
-            <a:ext cx="1273105" cy="369332"/>
+            <a:ext cx="1502580" cy="369332"/>
           </a:xfrm>
           <a:prstGeom prst="rect">
             <a:avLst/>
@@ -10086,7 +10086,7 @@
           <a:noFill/>
         </p:spPr>
         <p:txBody>
-          <a:bodyPr wrap="none" rtlCol="0">
+          <a:bodyPr wrap="square" rtlCol="0">
             <a:spAutoFit/>
           </a:bodyPr>
           <a:lstStyle/>
@@ -10133,8 +10133,8 @@
         </p:nvSpPr>
         <p:spPr>
           <a:xfrm>
-            <a:off x="6041131" y="19987548"/>
-            <a:ext cx="1175322" cy="646331"/>
+            <a:off x="6041130" y="19987548"/>
+            <a:ext cx="1387171" cy="369332"/>
           </a:xfrm>
           <a:prstGeom prst="rect">
             <a:avLst/>
@@ -10190,7 +10190,7 @@
         <p:spPr>
           <a:xfrm>
             <a:off x="6053105" y="19517075"/>
-            <a:ext cx="710451" cy="646331"/>
+            <a:ext cx="838508" cy="369332"/>
           </a:xfrm>
           <a:prstGeom prst="rect">
             <a:avLst/>
@@ -10314,8 +10314,8 @@
         </p:nvSpPr>
         <p:spPr>
           <a:xfrm>
-            <a:off x="7031980" y="19059875"/>
-            <a:ext cx="442750" cy="646331"/>
+            <a:off x="7226132" y="19059875"/>
+            <a:ext cx="610453" cy="369332"/>
           </a:xfrm>
           <a:prstGeom prst="rect">
             <a:avLst/>
@@ -10352,8 +10352,8 @@
         </p:nvSpPr>
         <p:spPr>
           <a:xfrm>
-            <a:off x="7031980" y="20066657"/>
-            <a:ext cx="442750" cy="646331"/>
+            <a:off x="7226132" y="20066657"/>
+            <a:ext cx="610453" cy="369332"/>
           </a:xfrm>
           <a:prstGeom prst="rect">
             <a:avLst/>
@@ -10390,8 +10390,8 @@
         </p:nvSpPr>
         <p:spPr>
           <a:xfrm>
-            <a:off x="7031334" y="19550395"/>
-            <a:ext cx="442750" cy="646331"/>
+            <a:off x="7225486" y="19550395"/>
+            <a:ext cx="610453" cy="369332"/>
           </a:xfrm>
           <a:prstGeom prst="rect">
             <a:avLst/>
@@ -11632,7 +11632,7 @@
         </p:nvSpPr>
         <p:spPr>
           <a:xfrm>
-            <a:off x="19705513" y="19316593"/>
+            <a:off x="19653754" y="19316593"/>
             <a:ext cx="1296189" cy="369332"/>
           </a:xfrm>
           <a:prstGeom prst="rect">
@@ -16400,7 +16400,7 @@
         <p:spPr>
           <a:xfrm>
             <a:off x="7944027" y="19809167"/>
-            <a:ext cx="1346844" cy="646331"/>
+            <a:ext cx="1589610" cy="369332"/>
           </a:xfrm>
           <a:prstGeom prst="rect">
             <a:avLst/>
@@ -16456,7 +16456,7 @@
         <p:spPr>
           <a:xfrm>
             <a:off x="7943733" y="20817423"/>
-            <a:ext cx="1377300" cy="646331"/>
+            <a:ext cx="1625556" cy="369332"/>
           </a:xfrm>
           <a:prstGeom prst="rect">
             <a:avLst/>
@@ -16511,8 +16511,8 @@
         </p:nvSpPr>
         <p:spPr>
           <a:xfrm>
-            <a:off x="7938894" y="20231519"/>
-            <a:ext cx="938077" cy="646331"/>
+            <a:off x="7938894" y="20193941"/>
+            <a:ext cx="1107164" cy="369332"/>
           </a:xfrm>
           <a:prstGeom prst="rect">
             <a:avLst/>
@@ -16560,8 +16560,8 @@
         </p:nvSpPr>
         <p:spPr>
           <a:xfrm>
-            <a:off x="9213443" y="19869761"/>
-            <a:ext cx="442750" cy="646331"/>
+            <a:off x="9407595" y="19869761"/>
+            <a:ext cx="610453" cy="369332"/>
           </a:xfrm>
           <a:prstGeom prst="rect">
             <a:avLst/>
@@ -16598,8 +16598,8 @@
         </p:nvSpPr>
         <p:spPr>
           <a:xfrm>
-            <a:off x="9213443" y="20876543"/>
-            <a:ext cx="442750" cy="646331"/>
+            <a:off x="9407595" y="20876543"/>
+            <a:ext cx="610453" cy="369332"/>
           </a:xfrm>
           <a:prstGeom prst="rect">
             <a:avLst/>
@@ -16636,8 +16636,8 @@
         </p:nvSpPr>
         <p:spPr>
           <a:xfrm>
-            <a:off x="9212797" y="20360281"/>
-            <a:ext cx="442750" cy="646331"/>
+            <a:off x="9406949" y="20360281"/>
+            <a:ext cx="610453" cy="369332"/>
           </a:xfrm>
           <a:prstGeom prst="rect">
             <a:avLst/>
@@ -17198,7 +17198,7 @@
         </p:nvSpPr>
         <p:spPr>
           <a:xfrm>
-            <a:off x="13756729" y="19048242"/>
+            <a:off x="13913304" y="19048242"/>
             <a:ext cx="466794" cy="369332"/>
           </a:xfrm>
           <a:prstGeom prst="rect">
@@ -17236,7 +17236,7 @@
         </p:nvSpPr>
         <p:spPr>
           <a:xfrm>
-            <a:off x="13756729" y="20055024"/>
+            <a:off x="13913304" y="20055024"/>
             <a:ext cx="466794" cy="369332"/>
           </a:xfrm>
           <a:prstGeom prst="rect">
@@ -17274,7 +17274,7 @@
         </p:nvSpPr>
         <p:spPr>
           <a:xfrm>
-            <a:off x="13756083" y="19538762"/>
+            <a:off x="13912658" y="19538762"/>
             <a:ext cx="466794" cy="369332"/>
           </a:xfrm>
           <a:prstGeom prst="rect">
@@ -17588,7 +17588,7 @@
         </p:nvSpPr>
         <p:spPr>
           <a:xfrm>
-            <a:off x="14676521" y="20219886"/>
+            <a:off x="14676521" y="20182308"/>
             <a:ext cx="1015021" cy="369332"/>
           </a:xfrm>
           <a:prstGeom prst="rect">
@@ -17637,7 +17637,7 @@
         </p:nvSpPr>
         <p:spPr>
           <a:xfrm>
-            <a:off x="15951070" y="19858128"/>
+            <a:off x="16107645" y="19858128"/>
             <a:ext cx="466794" cy="369332"/>
           </a:xfrm>
           <a:prstGeom prst="rect">
@@ -17675,7 +17675,7 @@
         </p:nvSpPr>
         <p:spPr>
           <a:xfrm>
-            <a:off x="15951070" y="20864910"/>
+            <a:off x="16107645" y="20864910"/>
             <a:ext cx="466794" cy="369332"/>
           </a:xfrm>
           <a:prstGeom prst="rect">
@@ -17713,7 +17713,7 @@
         </p:nvSpPr>
         <p:spPr>
           <a:xfrm>
-            <a:off x="15950424" y="20348648"/>
+            <a:off x="16106999" y="20348648"/>
             <a:ext cx="466794" cy="369332"/>
           </a:xfrm>
           <a:prstGeom prst="rect">
